--- a/Lesson 02 - Creating a Console Application/Creating a Console Application.pptx
+++ b/Lesson 02 - Creating a Console Application/Creating a Console Application.pptx
@@ -4609,7 +4609,7 @@
           <a:bodyPr/>
           <a:lstStyle/>
           <a:p>
-            <a:endParaRPr lang="en-US"/>
+            <a:endParaRPr lang="en-US" dirty="0"/>
           </a:p>
         </p:txBody>
       </p:sp>
